--- a/doc/BaoCaoTTDN_21520859_TranTrongHieu.pptx
+++ b/doc/BaoCaoTTDN_21520859_TranTrongHieu.pptx
@@ -209,7 +209,7 @@
           <a:p>
             <a:fld id="{DF81366A-515E-46DD-B19E-2784744E367C}" type="datetimeFigureOut">
               <a:rPr lang="en-US" smtClean="0"/>
-              <a:t>9/12/2024</a:t>
+              <a:t>9/13/2024</a:t>
             </a:fld>
             <a:endParaRPr lang="en-US"/>
           </a:p>
@@ -1448,7 +1448,7 @@
           <a:p>
             <a:fld id="{48A87A34-81AB-432B-8DAE-1953F412C126}" type="datetimeFigureOut">
               <a:rPr lang="en-US" dirty="0"/>
-              <a:t>9/12/2024</a:t>
+              <a:t>9/13/2024</a:t>
             </a:fld>
             <a:endParaRPr lang="en-US" dirty="0"/>
           </a:p>
@@ -1654,7 +1654,7 @@
           <a:p>
             <a:fld id="{48A87A34-81AB-432B-8DAE-1953F412C126}" type="datetimeFigureOut">
               <a:rPr lang="en-US" dirty="0"/>
-              <a:t>9/12/2024</a:t>
+              <a:t>9/13/2024</a:t>
             </a:fld>
             <a:endParaRPr lang="en-US" dirty="0"/>
           </a:p>
@@ -1864,7 +1864,7 @@
           <a:p>
             <a:fld id="{48A87A34-81AB-432B-8DAE-1953F412C126}" type="datetimeFigureOut">
               <a:rPr lang="en-US" dirty="0"/>
-              <a:t>9/12/2024</a:t>
+              <a:t>9/13/2024</a:t>
             </a:fld>
             <a:endParaRPr lang="en-US" dirty="0"/>
           </a:p>
@@ -2060,7 +2060,7 @@
           <a:p>
             <a:fld id="{48A87A34-81AB-432B-8DAE-1953F412C126}" type="datetimeFigureOut">
               <a:rPr lang="en-US" dirty="0"/>
-              <a:t>9/12/2024</a:t>
+              <a:t>9/13/2024</a:t>
             </a:fld>
             <a:endParaRPr lang="en-US" dirty="0"/>
           </a:p>
@@ -2334,7 +2334,7 @@
           <a:p>
             <a:fld id="{48A87A34-81AB-432B-8DAE-1953F412C126}" type="datetimeFigureOut">
               <a:rPr lang="en-US" dirty="0"/>
-              <a:t>9/12/2024</a:t>
+              <a:t>9/13/2024</a:t>
             </a:fld>
             <a:endParaRPr lang="en-US" dirty="0"/>
           </a:p>
@@ -2597,7 +2597,7 @@
           <a:p>
             <a:fld id="{48A87A34-81AB-432B-8DAE-1953F412C126}" type="datetimeFigureOut">
               <a:rPr lang="en-US" dirty="0"/>
-              <a:t>9/12/2024</a:t>
+              <a:t>9/13/2024</a:t>
             </a:fld>
             <a:endParaRPr lang="en-US" dirty="0"/>
           </a:p>
@@ -3008,7 +3008,7 @@
           <a:p>
             <a:fld id="{48A87A34-81AB-432B-8DAE-1953F412C126}" type="datetimeFigureOut">
               <a:rPr lang="en-US" dirty="0"/>
-              <a:t>9/12/2024</a:t>
+              <a:t>9/13/2024</a:t>
             </a:fld>
             <a:endParaRPr lang="en-US" dirty="0"/>
           </a:p>
@@ -3152,7 +3152,7 @@
           <a:p>
             <a:fld id="{48A87A34-81AB-432B-8DAE-1953F412C126}" type="datetimeFigureOut">
               <a:rPr lang="en-US" dirty="0"/>
-              <a:t>9/12/2024</a:t>
+              <a:t>9/13/2024</a:t>
             </a:fld>
             <a:endParaRPr lang="en-US" dirty="0"/>
           </a:p>
@@ -3273,7 +3273,7 @@
           <a:p>
             <a:fld id="{48A87A34-81AB-432B-8DAE-1953F412C126}" type="datetimeFigureOut">
               <a:rPr lang="en-US" dirty="0"/>
-              <a:t>9/12/2024</a:t>
+              <a:t>9/13/2024</a:t>
             </a:fld>
             <a:endParaRPr lang="en-US" dirty="0"/>
           </a:p>
@@ -3519,7 +3519,7 @@
           <a:p>
             <a:fld id="{48A87A34-81AB-432B-8DAE-1953F412C126}" type="datetimeFigureOut">
               <a:rPr lang="en-US" dirty="0"/>
-              <a:t>9/12/2024</a:t>
+              <a:t>9/13/2024</a:t>
             </a:fld>
             <a:endParaRPr lang="en-US" dirty="0"/>
           </a:p>
@@ -3960,7 +3960,7 @@
             <a:fld id="{48A87A34-81AB-432B-8DAE-1953F412C126}" type="datetimeFigureOut">
               <a:rPr lang="en-US" dirty="0"/>
               <a:pPr/>
-              <a:t>9/12/2024</a:t>
+              <a:t>9/13/2024</a:t>
             </a:fld>
             <a:endParaRPr lang="en-US" dirty="0"/>
           </a:p>
@@ -4283,7 +4283,7 @@
             <a:fld id="{48A87A34-81AB-432B-8DAE-1953F412C126}" type="datetimeFigureOut">
               <a:rPr lang="en-US" dirty="0"/>
               <a:pPr/>
-              <a:t>9/12/2024</a:t>
+              <a:t>9/13/2024</a:t>
             </a:fld>
             <a:endParaRPr lang="en-US" dirty="0"/>
           </a:p>
@@ -5790,7 +5790,7 @@
                 <a:latin typeface="Arial" panose="020B0604020202020204" pitchFamily="34" charset="0"/>
                 <a:cs typeface="Arial" panose="020B0604020202020204" pitchFamily="34" charset="0"/>
               </a:rPr>
-              <a:t>1. GIỚI THIỆU DOANH NGHIỆP</a:t>
+              <a:t>1.1. GIỚI THIỆU CHUNG</a:t>
             </a:r>
           </a:p>
         </p:txBody>
@@ -6024,7 +6024,7 @@
                 <a:latin typeface="Arial" panose="020B0604020202020204" pitchFamily="34" charset="0"/>
                 <a:cs typeface="Arial" panose="020B0604020202020204" pitchFamily="34" charset="0"/>
               </a:rPr>
-              <a:t>1. GIỚI THIỆU DOANH NGHIỆP</a:t>
+              <a:t>1.2. THÔNG TIN THÊM</a:t>
             </a:r>
           </a:p>
         </p:txBody>
@@ -6044,7 +6044,7 @@
           <p:nvPr>
             <p:extLst>
               <p:ext uri="{D42A27DB-BD31-4B8C-83A1-F6EECF244321}">
-                <p14:modId xmlns:p14="http://schemas.microsoft.com/office/powerpoint/2010/main" val="2710043864"/>
+                <p14:modId xmlns:p14="http://schemas.microsoft.com/office/powerpoint/2010/main" val="1243773975"/>
               </p:ext>
             </p:extLst>
           </p:nvPr>
@@ -6228,7 +6228,7 @@
                     <a:p>
                       <a:pPr algn="just"/>
                       <a:r>
-                        <a:rPr lang="en-US" sz="2200">
+                        <a:rPr lang="en-US" sz="2200" b="1">
                           <a:latin typeface="Arial" panose="020B0604020202020204" pitchFamily="34" charset="0"/>
                           <a:cs typeface="Arial" panose="020B0604020202020204" pitchFamily="34" charset="0"/>
                         </a:rPr>
@@ -6269,7 +6269,7 @@
                     <a:p>
                       <a:pPr algn="just"/>
                       <a:r>
-                        <a:rPr lang="en-US" sz="2200">
+                        <a:rPr lang="en-US" sz="2200" b="1" u="sng">
                           <a:latin typeface="Arial" panose="020B0604020202020204" pitchFamily="34" charset="0"/>
                           <a:cs typeface="Arial" panose="020B0604020202020204" pitchFamily="34" charset="0"/>
                         </a:rPr>
@@ -6310,7 +6310,7 @@
                     <a:p>
                       <a:pPr algn="just"/>
                       <a:r>
-                        <a:rPr lang="en-US" sz="2200">
+                        <a:rPr lang="en-US" sz="2200" b="1" u="sng">
                           <a:latin typeface="Arial" panose="020B0604020202020204" pitchFamily="34" charset="0"/>
                           <a:cs typeface="Arial" panose="020B0604020202020204" pitchFamily="34" charset="0"/>
                         </a:rPr>
@@ -6453,7 +6453,7 @@
                 <a:latin typeface="Arial" panose="020B0604020202020204" pitchFamily="34" charset="0"/>
                 <a:cs typeface="Arial" panose="020B0604020202020204" pitchFamily="34" charset="0"/>
               </a:rPr>
-              <a:t>2.1. THỜI GIAN THỰC TẬP</a:t>
+              <a:t>2.1. THÔNG TIN THỰC TẬP</a:t>
             </a:r>
           </a:p>
         </p:txBody>
